--- a/ppt 16-9/0384.救恩普及千万家.pptx
+++ b/ppt 16-9/0384.救恩普及千万家.pptx
@@ -5,7 +5,7 @@
     <p:sldMasterId id="2147483648" r:id="rId1"/>
   </p:sldMasterIdLst>
   <p:sldIdLst>
-    <p:sldId id="3304" r:id="rId2"/>
+    <p:sldId id="3305" r:id="rId2"/>
   </p:sldIdLst>
   <p:sldSz cx="12192000" cy="6858000"/>
   <p:notesSz cx="6858000" cy="9144000"/>
@@ -129,7 +129,7 @@
           <p:cNvPr id="2" name="标题 1">
             <a:extLst>
               <a:ext uri="{FF2B5EF4-FFF2-40B4-BE49-F238E27FC236}">
-                <a16:creationId xmlns:a16="http://schemas.microsoft.com/office/drawing/2014/main" id="{CE0F856E-6132-80C0-FC45-9D9B9D3260A6}"/>
+                <a16:creationId xmlns:a16="http://schemas.microsoft.com/office/drawing/2014/main" id="{5FF53AE9-F333-D705-A385-EF81C52BB3FA}"/>
               </a:ext>
             </a:extLst>
           </p:cNvPr>
@@ -166,7 +166,7 @@
           <p:cNvPr id="3" name="副标题 2">
             <a:extLst>
               <a:ext uri="{FF2B5EF4-FFF2-40B4-BE49-F238E27FC236}">
-                <a16:creationId xmlns:a16="http://schemas.microsoft.com/office/drawing/2014/main" id="{F7601A38-FE26-00A8-70B0-E5717410F0D9}"/>
+                <a16:creationId xmlns:a16="http://schemas.microsoft.com/office/drawing/2014/main" id="{CE05BD04-6AEC-C7E2-CC90-436739544205}"/>
               </a:ext>
             </a:extLst>
           </p:cNvPr>
@@ -236,7 +236,7 @@
           <p:cNvPr id="4" name="日期占位符 3">
             <a:extLst>
               <a:ext uri="{FF2B5EF4-FFF2-40B4-BE49-F238E27FC236}">
-                <a16:creationId xmlns:a16="http://schemas.microsoft.com/office/drawing/2014/main" id="{4DEFA9ED-E415-695A-F366-EE84E132271F}"/>
+                <a16:creationId xmlns:a16="http://schemas.microsoft.com/office/drawing/2014/main" id="{DC5394DE-BAEA-ECF3-5330-F1E3CFE5081E}"/>
               </a:ext>
             </a:extLst>
           </p:cNvPr>
@@ -252,7 +252,7 @@
           <a:bodyPr/>
           <a:lstStyle/>
           <a:p>
-            <a:fld id="{43E45750-06C7-4354-9993-F5BEE33CD5F6}" type="datetimeFigureOut">
+            <a:fld id="{890B08FB-B827-42FC-A507-9E62F13FCCF4}" type="datetimeFigureOut">
               <a:rPr lang="zh-CN" altLang="en-US" smtClean="0"/>
               <a:t>2024/3/10</a:t>
             </a:fld>
@@ -265,7 +265,7 @@
           <p:cNvPr id="5" name="页脚占位符 4">
             <a:extLst>
               <a:ext uri="{FF2B5EF4-FFF2-40B4-BE49-F238E27FC236}">
-                <a16:creationId xmlns:a16="http://schemas.microsoft.com/office/drawing/2014/main" id="{3D32D5BE-A1CD-2F46-8EE7-100929072F4A}"/>
+                <a16:creationId xmlns:a16="http://schemas.microsoft.com/office/drawing/2014/main" id="{EC452C5C-E139-8A9A-8DF2-3E385760E696}"/>
               </a:ext>
             </a:extLst>
           </p:cNvPr>
@@ -290,7 +290,7 @@
           <p:cNvPr id="6" name="灯片编号占位符 5">
             <a:extLst>
               <a:ext uri="{FF2B5EF4-FFF2-40B4-BE49-F238E27FC236}">
-                <a16:creationId xmlns:a16="http://schemas.microsoft.com/office/drawing/2014/main" id="{B2E4360E-EE2D-BBC6-EF9C-541306529A7E}"/>
+                <a16:creationId xmlns:a16="http://schemas.microsoft.com/office/drawing/2014/main" id="{D853529D-205A-93F8-9B50-7B1A5E147185}"/>
               </a:ext>
             </a:extLst>
           </p:cNvPr>
@@ -306,7 +306,7 @@
           <a:bodyPr/>
           <a:lstStyle/>
           <a:p>
-            <a:fld id="{55002D8B-1C36-41DA-B514-969541D1100D}" type="slidenum">
+            <a:fld id="{46188185-B603-4222-B183-7DA3FB5459D4}" type="slidenum">
               <a:rPr lang="zh-CN" altLang="en-US" smtClean="0"/>
               <a:t>‹#›</a:t>
             </a:fld>
@@ -317,7 +317,7 @@
     </p:spTree>
     <p:extLst>
       <p:ext uri="{BB962C8B-B14F-4D97-AF65-F5344CB8AC3E}">
-        <p14:creationId xmlns:p14="http://schemas.microsoft.com/office/powerpoint/2010/main" val="2119663921"/>
+        <p14:creationId xmlns:p14="http://schemas.microsoft.com/office/powerpoint/2010/main" val="3772342924"/>
       </p:ext>
     </p:extLst>
   </p:cSld>
@@ -349,7 +349,7 @@
           <p:cNvPr id="2" name="标题 1">
             <a:extLst>
               <a:ext uri="{FF2B5EF4-FFF2-40B4-BE49-F238E27FC236}">
-                <a16:creationId xmlns:a16="http://schemas.microsoft.com/office/drawing/2014/main" id="{48FF9FC2-5FD6-E27A-756F-18C1A9BE04BA}"/>
+                <a16:creationId xmlns:a16="http://schemas.microsoft.com/office/drawing/2014/main" id="{B9BB218F-7310-79F9-8EA4-CEACA86EFD48}"/>
               </a:ext>
             </a:extLst>
           </p:cNvPr>
@@ -377,7 +377,7 @@
           <p:cNvPr id="3" name="竖排文字占位符 2">
             <a:extLst>
               <a:ext uri="{FF2B5EF4-FFF2-40B4-BE49-F238E27FC236}">
-                <a16:creationId xmlns:a16="http://schemas.microsoft.com/office/drawing/2014/main" id="{AA1159AF-9EED-8C60-C766-38DA46B9896A}"/>
+                <a16:creationId xmlns:a16="http://schemas.microsoft.com/office/drawing/2014/main" id="{8AE72058-F64D-8F92-F9F0-710FF048C1D4}"/>
               </a:ext>
             </a:extLst>
           </p:cNvPr>
@@ -434,7 +434,7 @@
           <p:cNvPr id="4" name="日期占位符 3">
             <a:extLst>
               <a:ext uri="{FF2B5EF4-FFF2-40B4-BE49-F238E27FC236}">
-                <a16:creationId xmlns:a16="http://schemas.microsoft.com/office/drawing/2014/main" id="{EAC073B7-C0F2-DAE4-D2F6-49371927E49E}"/>
+                <a16:creationId xmlns:a16="http://schemas.microsoft.com/office/drawing/2014/main" id="{956F0FE1-3679-9117-B11D-061F191B020E}"/>
               </a:ext>
             </a:extLst>
           </p:cNvPr>
@@ -450,7 +450,7 @@
           <a:bodyPr/>
           <a:lstStyle/>
           <a:p>
-            <a:fld id="{43E45750-06C7-4354-9993-F5BEE33CD5F6}" type="datetimeFigureOut">
+            <a:fld id="{890B08FB-B827-42FC-A507-9E62F13FCCF4}" type="datetimeFigureOut">
               <a:rPr lang="zh-CN" altLang="en-US" smtClean="0"/>
               <a:t>2024/3/10</a:t>
             </a:fld>
@@ -463,7 +463,7 @@
           <p:cNvPr id="5" name="页脚占位符 4">
             <a:extLst>
               <a:ext uri="{FF2B5EF4-FFF2-40B4-BE49-F238E27FC236}">
-                <a16:creationId xmlns:a16="http://schemas.microsoft.com/office/drawing/2014/main" id="{B6FBD23F-4AD2-8D41-7252-5342C6404EA8}"/>
+                <a16:creationId xmlns:a16="http://schemas.microsoft.com/office/drawing/2014/main" id="{2C7895B6-56E5-2437-C4CF-BB1CFF941CE6}"/>
               </a:ext>
             </a:extLst>
           </p:cNvPr>
@@ -488,7 +488,7 @@
           <p:cNvPr id="6" name="灯片编号占位符 5">
             <a:extLst>
               <a:ext uri="{FF2B5EF4-FFF2-40B4-BE49-F238E27FC236}">
-                <a16:creationId xmlns:a16="http://schemas.microsoft.com/office/drawing/2014/main" id="{F6831F94-37BA-9A5E-7D14-8317EC7BBAF7}"/>
+                <a16:creationId xmlns:a16="http://schemas.microsoft.com/office/drawing/2014/main" id="{12161283-61C7-DAED-BD92-942DF8DBFF41}"/>
               </a:ext>
             </a:extLst>
           </p:cNvPr>
@@ -504,7 +504,7 @@
           <a:bodyPr/>
           <a:lstStyle/>
           <a:p>
-            <a:fld id="{55002D8B-1C36-41DA-B514-969541D1100D}" type="slidenum">
+            <a:fld id="{46188185-B603-4222-B183-7DA3FB5459D4}" type="slidenum">
               <a:rPr lang="zh-CN" altLang="en-US" smtClean="0"/>
               <a:t>‹#›</a:t>
             </a:fld>
@@ -515,7 +515,7 @@
     </p:spTree>
     <p:extLst>
       <p:ext uri="{BB962C8B-B14F-4D97-AF65-F5344CB8AC3E}">
-        <p14:creationId xmlns:p14="http://schemas.microsoft.com/office/powerpoint/2010/main" val="2556578505"/>
+        <p14:creationId xmlns:p14="http://schemas.microsoft.com/office/powerpoint/2010/main" val="1720961657"/>
       </p:ext>
     </p:extLst>
   </p:cSld>
@@ -547,7 +547,7 @@
           <p:cNvPr id="2" name="竖排标题 1">
             <a:extLst>
               <a:ext uri="{FF2B5EF4-FFF2-40B4-BE49-F238E27FC236}">
-                <a16:creationId xmlns:a16="http://schemas.microsoft.com/office/drawing/2014/main" id="{B9A4157E-5BEF-76D4-4C32-FF77E7CF7878}"/>
+                <a16:creationId xmlns:a16="http://schemas.microsoft.com/office/drawing/2014/main" id="{60DDC277-B713-B06A-C1F4-FC89AAD6209D}"/>
               </a:ext>
             </a:extLst>
           </p:cNvPr>
@@ -580,7 +580,7 @@
           <p:cNvPr id="3" name="竖排文字占位符 2">
             <a:extLst>
               <a:ext uri="{FF2B5EF4-FFF2-40B4-BE49-F238E27FC236}">
-                <a16:creationId xmlns:a16="http://schemas.microsoft.com/office/drawing/2014/main" id="{118A3D8E-FC28-79B1-3ABD-414A216E5A00}"/>
+                <a16:creationId xmlns:a16="http://schemas.microsoft.com/office/drawing/2014/main" id="{B3B9AA95-5AE8-D157-53C2-AA5231E37F09}"/>
               </a:ext>
             </a:extLst>
           </p:cNvPr>
@@ -642,7 +642,7 @@
           <p:cNvPr id="4" name="日期占位符 3">
             <a:extLst>
               <a:ext uri="{FF2B5EF4-FFF2-40B4-BE49-F238E27FC236}">
-                <a16:creationId xmlns:a16="http://schemas.microsoft.com/office/drawing/2014/main" id="{56AF54D3-74C4-5088-DE95-1E5EDC028047}"/>
+                <a16:creationId xmlns:a16="http://schemas.microsoft.com/office/drawing/2014/main" id="{D4FF0A63-0D24-8A02-8127-FDB5AC663F3F}"/>
               </a:ext>
             </a:extLst>
           </p:cNvPr>
@@ -658,7 +658,7 @@
           <a:bodyPr/>
           <a:lstStyle/>
           <a:p>
-            <a:fld id="{43E45750-06C7-4354-9993-F5BEE33CD5F6}" type="datetimeFigureOut">
+            <a:fld id="{890B08FB-B827-42FC-A507-9E62F13FCCF4}" type="datetimeFigureOut">
               <a:rPr lang="zh-CN" altLang="en-US" smtClean="0"/>
               <a:t>2024/3/10</a:t>
             </a:fld>
@@ -671,7 +671,7 @@
           <p:cNvPr id="5" name="页脚占位符 4">
             <a:extLst>
               <a:ext uri="{FF2B5EF4-FFF2-40B4-BE49-F238E27FC236}">
-                <a16:creationId xmlns:a16="http://schemas.microsoft.com/office/drawing/2014/main" id="{680FF01E-5F6E-7AE6-1333-B92EA8DDADD1}"/>
+                <a16:creationId xmlns:a16="http://schemas.microsoft.com/office/drawing/2014/main" id="{C7E8F3F4-21D0-8C36-11D9-3F90DEE19906}"/>
               </a:ext>
             </a:extLst>
           </p:cNvPr>
@@ -696,7 +696,7 @@
           <p:cNvPr id="6" name="灯片编号占位符 5">
             <a:extLst>
               <a:ext uri="{FF2B5EF4-FFF2-40B4-BE49-F238E27FC236}">
-                <a16:creationId xmlns:a16="http://schemas.microsoft.com/office/drawing/2014/main" id="{7C948B3E-5069-A901-1136-229001AD835F}"/>
+                <a16:creationId xmlns:a16="http://schemas.microsoft.com/office/drawing/2014/main" id="{6661C702-1A31-4B96-AF7E-742A0A3C1415}"/>
               </a:ext>
             </a:extLst>
           </p:cNvPr>
@@ -712,7 +712,7 @@
           <a:bodyPr/>
           <a:lstStyle/>
           <a:p>
-            <a:fld id="{55002D8B-1C36-41DA-B514-969541D1100D}" type="slidenum">
+            <a:fld id="{46188185-B603-4222-B183-7DA3FB5459D4}" type="slidenum">
               <a:rPr lang="zh-CN" altLang="en-US" smtClean="0"/>
               <a:t>‹#›</a:t>
             </a:fld>
@@ -723,7 +723,7 @@
     </p:spTree>
     <p:extLst>
       <p:ext uri="{BB962C8B-B14F-4D97-AF65-F5344CB8AC3E}">
-        <p14:creationId xmlns:p14="http://schemas.microsoft.com/office/powerpoint/2010/main" val="4027932244"/>
+        <p14:creationId xmlns:p14="http://schemas.microsoft.com/office/powerpoint/2010/main" val="433221165"/>
       </p:ext>
     </p:extLst>
   </p:cSld>
@@ -755,7 +755,7 @@
           <p:cNvPr id="2" name="标题 1">
             <a:extLst>
               <a:ext uri="{FF2B5EF4-FFF2-40B4-BE49-F238E27FC236}">
-                <a16:creationId xmlns:a16="http://schemas.microsoft.com/office/drawing/2014/main" id="{4374F7F0-09F9-9C89-CA97-8E2DDBE4E29A}"/>
+                <a16:creationId xmlns:a16="http://schemas.microsoft.com/office/drawing/2014/main" id="{99372C94-058D-2725-F786-7187083741D5}"/>
               </a:ext>
             </a:extLst>
           </p:cNvPr>
@@ -783,7 +783,7 @@
           <p:cNvPr id="3" name="内容占位符 2">
             <a:extLst>
               <a:ext uri="{FF2B5EF4-FFF2-40B4-BE49-F238E27FC236}">
-                <a16:creationId xmlns:a16="http://schemas.microsoft.com/office/drawing/2014/main" id="{A51A594B-B039-5CCC-B92B-BC527D9A2F3C}"/>
+                <a16:creationId xmlns:a16="http://schemas.microsoft.com/office/drawing/2014/main" id="{9E05EDDB-3F65-49C8-289F-BC38766EDCAC}"/>
               </a:ext>
             </a:extLst>
           </p:cNvPr>
@@ -840,7 +840,7 @@
           <p:cNvPr id="4" name="日期占位符 3">
             <a:extLst>
               <a:ext uri="{FF2B5EF4-FFF2-40B4-BE49-F238E27FC236}">
-                <a16:creationId xmlns:a16="http://schemas.microsoft.com/office/drawing/2014/main" id="{ACA10F8E-0280-2334-523B-DCF0D3A98E96}"/>
+                <a16:creationId xmlns:a16="http://schemas.microsoft.com/office/drawing/2014/main" id="{8A5E1330-75B2-ACC7-C149-74BDC90AAF65}"/>
               </a:ext>
             </a:extLst>
           </p:cNvPr>
@@ -856,7 +856,7 @@
           <a:bodyPr/>
           <a:lstStyle/>
           <a:p>
-            <a:fld id="{43E45750-06C7-4354-9993-F5BEE33CD5F6}" type="datetimeFigureOut">
+            <a:fld id="{890B08FB-B827-42FC-A507-9E62F13FCCF4}" type="datetimeFigureOut">
               <a:rPr lang="zh-CN" altLang="en-US" smtClean="0"/>
               <a:t>2024/3/10</a:t>
             </a:fld>
@@ -869,7 +869,7 @@
           <p:cNvPr id="5" name="页脚占位符 4">
             <a:extLst>
               <a:ext uri="{FF2B5EF4-FFF2-40B4-BE49-F238E27FC236}">
-                <a16:creationId xmlns:a16="http://schemas.microsoft.com/office/drawing/2014/main" id="{B910C322-07A5-DC60-77F8-31C488D3173A}"/>
+                <a16:creationId xmlns:a16="http://schemas.microsoft.com/office/drawing/2014/main" id="{ACEEC630-79DB-AC92-D716-352996C08998}"/>
               </a:ext>
             </a:extLst>
           </p:cNvPr>
@@ -894,7 +894,7 @@
           <p:cNvPr id="6" name="灯片编号占位符 5">
             <a:extLst>
               <a:ext uri="{FF2B5EF4-FFF2-40B4-BE49-F238E27FC236}">
-                <a16:creationId xmlns:a16="http://schemas.microsoft.com/office/drawing/2014/main" id="{D18CB8D6-A205-6241-C685-2518CA2D9F25}"/>
+                <a16:creationId xmlns:a16="http://schemas.microsoft.com/office/drawing/2014/main" id="{F593768C-3A90-2708-16DD-D2AA442A1DF9}"/>
               </a:ext>
             </a:extLst>
           </p:cNvPr>
@@ -910,7 +910,7 @@
           <a:bodyPr/>
           <a:lstStyle/>
           <a:p>
-            <a:fld id="{55002D8B-1C36-41DA-B514-969541D1100D}" type="slidenum">
+            <a:fld id="{46188185-B603-4222-B183-7DA3FB5459D4}" type="slidenum">
               <a:rPr lang="zh-CN" altLang="en-US" smtClean="0"/>
               <a:t>‹#›</a:t>
             </a:fld>
@@ -921,7 +921,7 @@
     </p:spTree>
     <p:extLst>
       <p:ext uri="{BB962C8B-B14F-4D97-AF65-F5344CB8AC3E}">
-        <p14:creationId xmlns:p14="http://schemas.microsoft.com/office/powerpoint/2010/main" val="2422802355"/>
+        <p14:creationId xmlns:p14="http://schemas.microsoft.com/office/powerpoint/2010/main" val="4048592571"/>
       </p:ext>
     </p:extLst>
   </p:cSld>
@@ -953,7 +953,7 @@
           <p:cNvPr id="2" name="标题 1">
             <a:extLst>
               <a:ext uri="{FF2B5EF4-FFF2-40B4-BE49-F238E27FC236}">
-                <a16:creationId xmlns:a16="http://schemas.microsoft.com/office/drawing/2014/main" id="{4D449CDC-E986-721B-9E40-DD71B26804A6}"/>
+                <a16:creationId xmlns:a16="http://schemas.microsoft.com/office/drawing/2014/main" id="{884169EE-E688-9CB5-0FAD-FC00C7AD2F05}"/>
               </a:ext>
             </a:extLst>
           </p:cNvPr>
@@ -990,7 +990,7 @@
           <p:cNvPr id="3" name="文本占位符 2">
             <a:extLst>
               <a:ext uri="{FF2B5EF4-FFF2-40B4-BE49-F238E27FC236}">
-                <a16:creationId xmlns:a16="http://schemas.microsoft.com/office/drawing/2014/main" id="{3BCFF8C1-7C11-016D-A4FF-2323150E6D60}"/>
+                <a16:creationId xmlns:a16="http://schemas.microsoft.com/office/drawing/2014/main" id="{4EDC2FC3-B55C-4A01-7998-872591CA6A25}"/>
               </a:ext>
             </a:extLst>
           </p:cNvPr>
@@ -1115,7 +1115,7 @@
           <p:cNvPr id="4" name="日期占位符 3">
             <a:extLst>
               <a:ext uri="{FF2B5EF4-FFF2-40B4-BE49-F238E27FC236}">
-                <a16:creationId xmlns:a16="http://schemas.microsoft.com/office/drawing/2014/main" id="{BC283965-4A0E-A8DA-B102-4286F64193CB}"/>
+                <a16:creationId xmlns:a16="http://schemas.microsoft.com/office/drawing/2014/main" id="{2AA65B81-4D8A-7EBC-0FE1-E13CFE4EAD3F}"/>
               </a:ext>
             </a:extLst>
           </p:cNvPr>
@@ -1131,7 +1131,7 @@
           <a:bodyPr/>
           <a:lstStyle/>
           <a:p>
-            <a:fld id="{43E45750-06C7-4354-9993-F5BEE33CD5F6}" type="datetimeFigureOut">
+            <a:fld id="{890B08FB-B827-42FC-A507-9E62F13FCCF4}" type="datetimeFigureOut">
               <a:rPr lang="zh-CN" altLang="en-US" smtClean="0"/>
               <a:t>2024/3/10</a:t>
             </a:fld>
@@ -1144,7 +1144,7 @@
           <p:cNvPr id="5" name="页脚占位符 4">
             <a:extLst>
               <a:ext uri="{FF2B5EF4-FFF2-40B4-BE49-F238E27FC236}">
-                <a16:creationId xmlns:a16="http://schemas.microsoft.com/office/drawing/2014/main" id="{0E274498-3175-51D9-238B-83F114848C22}"/>
+                <a16:creationId xmlns:a16="http://schemas.microsoft.com/office/drawing/2014/main" id="{AADC8987-6C5F-B0F6-2FCB-9F9996ECBC95}"/>
               </a:ext>
             </a:extLst>
           </p:cNvPr>
@@ -1169,7 +1169,7 @@
           <p:cNvPr id="6" name="灯片编号占位符 5">
             <a:extLst>
               <a:ext uri="{FF2B5EF4-FFF2-40B4-BE49-F238E27FC236}">
-                <a16:creationId xmlns:a16="http://schemas.microsoft.com/office/drawing/2014/main" id="{D3C09461-5B13-DC5C-733F-D1FE6D105643}"/>
+                <a16:creationId xmlns:a16="http://schemas.microsoft.com/office/drawing/2014/main" id="{32EEC58E-4ABC-8261-8282-3A10E4BF339C}"/>
               </a:ext>
             </a:extLst>
           </p:cNvPr>
@@ -1185,7 +1185,7 @@
           <a:bodyPr/>
           <a:lstStyle/>
           <a:p>
-            <a:fld id="{55002D8B-1C36-41DA-B514-969541D1100D}" type="slidenum">
+            <a:fld id="{46188185-B603-4222-B183-7DA3FB5459D4}" type="slidenum">
               <a:rPr lang="zh-CN" altLang="en-US" smtClean="0"/>
               <a:t>‹#›</a:t>
             </a:fld>
@@ -1196,7 +1196,7 @@
     </p:spTree>
     <p:extLst>
       <p:ext uri="{BB962C8B-B14F-4D97-AF65-F5344CB8AC3E}">
-        <p14:creationId xmlns:p14="http://schemas.microsoft.com/office/powerpoint/2010/main" val="2329174458"/>
+        <p14:creationId xmlns:p14="http://schemas.microsoft.com/office/powerpoint/2010/main" val="1478449281"/>
       </p:ext>
     </p:extLst>
   </p:cSld>
@@ -1228,7 +1228,7 @@
           <p:cNvPr id="2" name="标题 1">
             <a:extLst>
               <a:ext uri="{FF2B5EF4-FFF2-40B4-BE49-F238E27FC236}">
-                <a16:creationId xmlns:a16="http://schemas.microsoft.com/office/drawing/2014/main" id="{4695B8CF-E0BB-A60D-58A8-BF665A990D12}"/>
+                <a16:creationId xmlns:a16="http://schemas.microsoft.com/office/drawing/2014/main" id="{671DE203-5681-0B75-5895-72B56BF188C5}"/>
               </a:ext>
             </a:extLst>
           </p:cNvPr>
@@ -1256,7 +1256,7 @@
           <p:cNvPr id="3" name="内容占位符 2">
             <a:extLst>
               <a:ext uri="{FF2B5EF4-FFF2-40B4-BE49-F238E27FC236}">
-                <a16:creationId xmlns:a16="http://schemas.microsoft.com/office/drawing/2014/main" id="{116C3201-EDF1-12B4-4B21-573C4BA4C9AC}"/>
+                <a16:creationId xmlns:a16="http://schemas.microsoft.com/office/drawing/2014/main" id="{01E0F28A-11F9-8609-34A3-17B97B503AA0}"/>
               </a:ext>
             </a:extLst>
           </p:cNvPr>
@@ -1318,7 +1318,7 @@
           <p:cNvPr id="4" name="内容占位符 3">
             <a:extLst>
               <a:ext uri="{FF2B5EF4-FFF2-40B4-BE49-F238E27FC236}">
-                <a16:creationId xmlns:a16="http://schemas.microsoft.com/office/drawing/2014/main" id="{A6661488-53CC-5E4B-8117-5534382F0394}"/>
+                <a16:creationId xmlns:a16="http://schemas.microsoft.com/office/drawing/2014/main" id="{DFA7ABF6-CE87-50C1-B79D-75AA1DBF3E16}"/>
               </a:ext>
             </a:extLst>
           </p:cNvPr>
@@ -1380,7 +1380,7 @@
           <p:cNvPr id="5" name="日期占位符 4">
             <a:extLst>
               <a:ext uri="{FF2B5EF4-FFF2-40B4-BE49-F238E27FC236}">
-                <a16:creationId xmlns:a16="http://schemas.microsoft.com/office/drawing/2014/main" id="{0BB3574A-0AE6-AE64-7E5D-2BD04A474956}"/>
+                <a16:creationId xmlns:a16="http://schemas.microsoft.com/office/drawing/2014/main" id="{853F1F71-D04B-53DE-0EB9-A0CD137FF209}"/>
               </a:ext>
             </a:extLst>
           </p:cNvPr>
@@ -1396,7 +1396,7 @@
           <a:bodyPr/>
           <a:lstStyle/>
           <a:p>
-            <a:fld id="{43E45750-06C7-4354-9993-F5BEE33CD5F6}" type="datetimeFigureOut">
+            <a:fld id="{890B08FB-B827-42FC-A507-9E62F13FCCF4}" type="datetimeFigureOut">
               <a:rPr lang="zh-CN" altLang="en-US" smtClean="0"/>
               <a:t>2024/3/10</a:t>
             </a:fld>
@@ -1409,7 +1409,7 @@
           <p:cNvPr id="6" name="页脚占位符 5">
             <a:extLst>
               <a:ext uri="{FF2B5EF4-FFF2-40B4-BE49-F238E27FC236}">
-                <a16:creationId xmlns:a16="http://schemas.microsoft.com/office/drawing/2014/main" id="{116317CB-C9F4-3615-F507-A1F9993F502D}"/>
+                <a16:creationId xmlns:a16="http://schemas.microsoft.com/office/drawing/2014/main" id="{D8EBA792-BDD5-62C2-BA0E-F79AAE485CB2}"/>
               </a:ext>
             </a:extLst>
           </p:cNvPr>
@@ -1434,7 +1434,7 @@
           <p:cNvPr id="7" name="灯片编号占位符 6">
             <a:extLst>
               <a:ext uri="{FF2B5EF4-FFF2-40B4-BE49-F238E27FC236}">
-                <a16:creationId xmlns:a16="http://schemas.microsoft.com/office/drawing/2014/main" id="{D0815344-8823-34EA-EEA7-4F058B77D396}"/>
+                <a16:creationId xmlns:a16="http://schemas.microsoft.com/office/drawing/2014/main" id="{3D93A17C-14FC-99E8-E3A1-A565FF822B95}"/>
               </a:ext>
             </a:extLst>
           </p:cNvPr>
@@ -1450,7 +1450,7 @@
           <a:bodyPr/>
           <a:lstStyle/>
           <a:p>
-            <a:fld id="{55002D8B-1C36-41DA-B514-969541D1100D}" type="slidenum">
+            <a:fld id="{46188185-B603-4222-B183-7DA3FB5459D4}" type="slidenum">
               <a:rPr lang="zh-CN" altLang="en-US" smtClean="0"/>
               <a:t>‹#›</a:t>
             </a:fld>
@@ -1461,7 +1461,7 @@
     </p:spTree>
     <p:extLst>
       <p:ext uri="{BB962C8B-B14F-4D97-AF65-F5344CB8AC3E}">
-        <p14:creationId xmlns:p14="http://schemas.microsoft.com/office/powerpoint/2010/main" val="277035608"/>
+        <p14:creationId xmlns:p14="http://schemas.microsoft.com/office/powerpoint/2010/main" val="1166397057"/>
       </p:ext>
     </p:extLst>
   </p:cSld>
@@ -1493,7 +1493,7 @@
           <p:cNvPr id="2" name="标题 1">
             <a:extLst>
               <a:ext uri="{FF2B5EF4-FFF2-40B4-BE49-F238E27FC236}">
-                <a16:creationId xmlns:a16="http://schemas.microsoft.com/office/drawing/2014/main" id="{4A9DA18F-51DA-AECE-1EBC-781904E33ACB}"/>
+                <a16:creationId xmlns:a16="http://schemas.microsoft.com/office/drawing/2014/main" id="{5EBAF855-D464-5D4D-A435-30FE16625F23}"/>
               </a:ext>
             </a:extLst>
           </p:cNvPr>
@@ -1526,7 +1526,7 @@
           <p:cNvPr id="3" name="文本占位符 2">
             <a:extLst>
               <a:ext uri="{FF2B5EF4-FFF2-40B4-BE49-F238E27FC236}">
-                <a16:creationId xmlns:a16="http://schemas.microsoft.com/office/drawing/2014/main" id="{35EFCCED-25EC-19BC-3F13-94011B6C5D2B}"/>
+                <a16:creationId xmlns:a16="http://schemas.microsoft.com/office/drawing/2014/main" id="{2F9B3803-1604-AF9B-7C0B-546033B54ABE}"/>
               </a:ext>
             </a:extLst>
           </p:cNvPr>
@@ -1597,7 +1597,7 @@
           <p:cNvPr id="4" name="内容占位符 3">
             <a:extLst>
               <a:ext uri="{FF2B5EF4-FFF2-40B4-BE49-F238E27FC236}">
-                <a16:creationId xmlns:a16="http://schemas.microsoft.com/office/drawing/2014/main" id="{31D2F0E9-DE8F-F9B9-6685-B7F069D263B6}"/>
+                <a16:creationId xmlns:a16="http://schemas.microsoft.com/office/drawing/2014/main" id="{6C840D6E-BF83-7CD4-A7BF-F0D56AFF204F}"/>
               </a:ext>
             </a:extLst>
           </p:cNvPr>
@@ -1659,7 +1659,7 @@
           <p:cNvPr id="5" name="文本占位符 4">
             <a:extLst>
               <a:ext uri="{FF2B5EF4-FFF2-40B4-BE49-F238E27FC236}">
-                <a16:creationId xmlns:a16="http://schemas.microsoft.com/office/drawing/2014/main" id="{FBC193BD-E715-8A29-03DC-C3D85DF97A70}"/>
+                <a16:creationId xmlns:a16="http://schemas.microsoft.com/office/drawing/2014/main" id="{253A1B4F-B64F-F8BC-FD3C-88BB67E0CF12}"/>
               </a:ext>
             </a:extLst>
           </p:cNvPr>
@@ -1730,7 +1730,7 @@
           <p:cNvPr id="6" name="内容占位符 5">
             <a:extLst>
               <a:ext uri="{FF2B5EF4-FFF2-40B4-BE49-F238E27FC236}">
-                <a16:creationId xmlns:a16="http://schemas.microsoft.com/office/drawing/2014/main" id="{99DDCAC9-ED1A-ABE3-C241-AAD4C62A437A}"/>
+                <a16:creationId xmlns:a16="http://schemas.microsoft.com/office/drawing/2014/main" id="{CEBE384F-3A50-8DAF-16D1-1E78A93F0B66}"/>
               </a:ext>
             </a:extLst>
           </p:cNvPr>
@@ -1792,7 +1792,7 @@
           <p:cNvPr id="7" name="日期占位符 6">
             <a:extLst>
               <a:ext uri="{FF2B5EF4-FFF2-40B4-BE49-F238E27FC236}">
-                <a16:creationId xmlns:a16="http://schemas.microsoft.com/office/drawing/2014/main" id="{FF757813-7409-EE75-8E19-FD367B30D4C7}"/>
+                <a16:creationId xmlns:a16="http://schemas.microsoft.com/office/drawing/2014/main" id="{F1212FB5-E1DB-F005-A5E5-9DF1B2371012}"/>
               </a:ext>
             </a:extLst>
           </p:cNvPr>
@@ -1808,7 +1808,7 @@
           <a:bodyPr/>
           <a:lstStyle/>
           <a:p>
-            <a:fld id="{43E45750-06C7-4354-9993-F5BEE33CD5F6}" type="datetimeFigureOut">
+            <a:fld id="{890B08FB-B827-42FC-A507-9E62F13FCCF4}" type="datetimeFigureOut">
               <a:rPr lang="zh-CN" altLang="en-US" smtClean="0"/>
               <a:t>2024/3/10</a:t>
             </a:fld>
@@ -1821,7 +1821,7 @@
           <p:cNvPr id="8" name="页脚占位符 7">
             <a:extLst>
               <a:ext uri="{FF2B5EF4-FFF2-40B4-BE49-F238E27FC236}">
-                <a16:creationId xmlns:a16="http://schemas.microsoft.com/office/drawing/2014/main" id="{ABB6191B-2CF7-5F21-2449-8D96BB0355E6}"/>
+                <a16:creationId xmlns:a16="http://schemas.microsoft.com/office/drawing/2014/main" id="{78D4E9B1-2BA5-586C-A60B-8FEFF428C1AC}"/>
               </a:ext>
             </a:extLst>
           </p:cNvPr>
@@ -1846,7 +1846,7 @@
           <p:cNvPr id="9" name="灯片编号占位符 8">
             <a:extLst>
               <a:ext uri="{FF2B5EF4-FFF2-40B4-BE49-F238E27FC236}">
-                <a16:creationId xmlns:a16="http://schemas.microsoft.com/office/drawing/2014/main" id="{1F5E9F9B-9668-919A-7F37-3BF4FE769705}"/>
+                <a16:creationId xmlns:a16="http://schemas.microsoft.com/office/drawing/2014/main" id="{9D8ABDE1-C177-1DCC-C5F6-F6CC7A250360}"/>
               </a:ext>
             </a:extLst>
           </p:cNvPr>
@@ -1862,7 +1862,7 @@
           <a:bodyPr/>
           <a:lstStyle/>
           <a:p>
-            <a:fld id="{55002D8B-1C36-41DA-B514-969541D1100D}" type="slidenum">
+            <a:fld id="{46188185-B603-4222-B183-7DA3FB5459D4}" type="slidenum">
               <a:rPr lang="zh-CN" altLang="en-US" smtClean="0"/>
               <a:t>‹#›</a:t>
             </a:fld>
@@ -1873,7 +1873,7 @@
     </p:spTree>
     <p:extLst>
       <p:ext uri="{BB962C8B-B14F-4D97-AF65-F5344CB8AC3E}">
-        <p14:creationId xmlns:p14="http://schemas.microsoft.com/office/powerpoint/2010/main" val="321587687"/>
+        <p14:creationId xmlns:p14="http://schemas.microsoft.com/office/powerpoint/2010/main" val="2847235413"/>
       </p:ext>
     </p:extLst>
   </p:cSld>
@@ -1905,7 +1905,7 @@
           <p:cNvPr id="2" name="标题 1">
             <a:extLst>
               <a:ext uri="{FF2B5EF4-FFF2-40B4-BE49-F238E27FC236}">
-                <a16:creationId xmlns:a16="http://schemas.microsoft.com/office/drawing/2014/main" id="{60554DC8-1542-A61A-8E61-8972C5EBC863}"/>
+                <a16:creationId xmlns:a16="http://schemas.microsoft.com/office/drawing/2014/main" id="{0D6EC6AE-6FB6-5D38-57EF-7310E9598165}"/>
               </a:ext>
             </a:extLst>
           </p:cNvPr>
@@ -1933,7 +1933,7 @@
           <p:cNvPr id="3" name="日期占位符 2">
             <a:extLst>
               <a:ext uri="{FF2B5EF4-FFF2-40B4-BE49-F238E27FC236}">
-                <a16:creationId xmlns:a16="http://schemas.microsoft.com/office/drawing/2014/main" id="{53B3F7A9-8742-C199-3D33-356C2A545039}"/>
+                <a16:creationId xmlns:a16="http://schemas.microsoft.com/office/drawing/2014/main" id="{00C3F1E6-A215-267E-BB54-44238D20C044}"/>
               </a:ext>
             </a:extLst>
           </p:cNvPr>
@@ -1949,7 +1949,7 @@
           <a:bodyPr/>
           <a:lstStyle/>
           <a:p>
-            <a:fld id="{43E45750-06C7-4354-9993-F5BEE33CD5F6}" type="datetimeFigureOut">
+            <a:fld id="{890B08FB-B827-42FC-A507-9E62F13FCCF4}" type="datetimeFigureOut">
               <a:rPr lang="zh-CN" altLang="en-US" smtClean="0"/>
               <a:t>2024/3/10</a:t>
             </a:fld>
@@ -1962,7 +1962,7 @@
           <p:cNvPr id="4" name="页脚占位符 3">
             <a:extLst>
               <a:ext uri="{FF2B5EF4-FFF2-40B4-BE49-F238E27FC236}">
-                <a16:creationId xmlns:a16="http://schemas.microsoft.com/office/drawing/2014/main" id="{5FF7438F-BB96-6A46-988E-AF21C76FEE6D}"/>
+                <a16:creationId xmlns:a16="http://schemas.microsoft.com/office/drawing/2014/main" id="{17109D2F-0BB2-0D26-1852-87B6FC7D9785}"/>
               </a:ext>
             </a:extLst>
           </p:cNvPr>
@@ -1987,7 +1987,7 @@
           <p:cNvPr id="5" name="灯片编号占位符 4">
             <a:extLst>
               <a:ext uri="{FF2B5EF4-FFF2-40B4-BE49-F238E27FC236}">
-                <a16:creationId xmlns:a16="http://schemas.microsoft.com/office/drawing/2014/main" id="{4231DD82-1542-1F18-CB20-B44D4E2DCCC8}"/>
+                <a16:creationId xmlns:a16="http://schemas.microsoft.com/office/drawing/2014/main" id="{0D9E20D9-0506-E0BF-99F6-1771958215B2}"/>
               </a:ext>
             </a:extLst>
           </p:cNvPr>
@@ -2003,7 +2003,7 @@
           <a:bodyPr/>
           <a:lstStyle/>
           <a:p>
-            <a:fld id="{55002D8B-1C36-41DA-B514-969541D1100D}" type="slidenum">
+            <a:fld id="{46188185-B603-4222-B183-7DA3FB5459D4}" type="slidenum">
               <a:rPr lang="zh-CN" altLang="en-US" smtClean="0"/>
               <a:t>‹#›</a:t>
             </a:fld>
@@ -2014,7 +2014,7 @@
     </p:spTree>
     <p:extLst>
       <p:ext uri="{BB962C8B-B14F-4D97-AF65-F5344CB8AC3E}">
-        <p14:creationId xmlns:p14="http://schemas.microsoft.com/office/powerpoint/2010/main" val="2887413153"/>
+        <p14:creationId xmlns:p14="http://schemas.microsoft.com/office/powerpoint/2010/main" val="2190908746"/>
       </p:ext>
     </p:extLst>
   </p:cSld>
@@ -2046,7 +2046,7 @@
           <p:cNvPr id="2" name="日期占位符 1">
             <a:extLst>
               <a:ext uri="{FF2B5EF4-FFF2-40B4-BE49-F238E27FC236}">
-                <a16:creationId xmlns:a16="http://schemas.microsoft.com/office/drawing/2014/main" id="{ECB92E56-21AA-1CB0-CAD5-9C84C18D1ED5}"/>
+                <a16:creationId xmlns:a16="http://schemas.microsoft.com/office/drawing/2014/main" id="{F535BA29-C9B2-E9A9-5A6A-7AC480142C3D}"/>
               </a:ext>
             </a:extLst>
           </p:cNvPr>
@@ -2062,7 +2062,7 @@
           <a:bodyPr/>
           <a:lstStyle/>
           <a:p>
-            <a:fld id="{43E45750-06C7-4354-9993-F5BEE33CD5F6}" type="datetimeFigureOut">
+            <a:fld id="{890B08FB-B827-42FC-A507-9E62F13FCCF4}" type="datetimeFigureOut">
               <a:rPr lang="zh-CN" altLang="en-US" smtClean="0"/>
               <a:t>2024/3/10</a:t>
             </a:fld>
@@ -2075,7 +2075,7 @@
           <p:cNvPr id="3" name="页脚占位符 2">
             <a:extLst>
               <a:ext uri="{FF2B5EF4-FFF2-40B4-BE49-F238E27FC236}">
-                <a16:creationId xmlns:a16="http://schemas.microsoft.com/office/drawing/2014/main" id="{4C573366-4C22-D35C-E57D-BD39E0AFCB20}"/>
+                <a16:creationId xmlns:a16="http://schemas.microsoft.com/office/drawing/2014/main" id="{0150662A-180F-D4E8-D51C-0D8E5B932EF5}"/>
               </a:ext>
             </a:extLst>
           </p:cNvPr>
@@ -2100,7 +2100,7 @@
           <p:cNvPr id="4" name="灯片编号占位符 3">
             <a:extLst>
               <a:ext uri="{FF2B5EF4-FFF2-40B4-BE49-F238E27FC236}">
-                <a16:creationId xmlns:a16="http://schemas.microsoft.com/office/drawing/2014/main" id="{8D70F8DC-3ECD-DC36-B5A1-026D490E1CD8}"/>
+                <a16:creationId xmlns:a16="http://schemas.microsoft.com/office/drawing/2014/main" id="{625C71F3-FD8A-0594-8C98-79D3A63E408C}"/>
               </a:ext>
             </a:extLst>
           </p:cNvPr>
@@ -2116,7 +2116,7 @@
           <a:bodyPr/>
           <a:lstStyle/>
           <a:p>
-            <a:fld id="{55002D8B-1C36-41DA-B514-969541D1100D}" type="slidenum">
+            <a:fld id="{46188185-B603-4222-B183-7DA3FB5459D4}" type="slidenum">
               <a:rPr lang="zh-CN" altLang="en-US" smtClean="0"/>
               <a:t>‹#›</a:t>
             </a:fld>
@@ -2127,7 +2127,7 @@
     </p:spTree>
     <p:extLst>
       <p:ext uri="{BB962C8B-B14F-4D97-AF65-F5344CB8AC3E}">
-        <p14:creationId xmlns:p14="http://schemas.microsoft.com/office/powerpoint/2010/main" val="707481714"/>
+        <p14:creationId xmlns:p14="http://schemas.microsoft.com/office/powerpoint/2010/main" val="3457026404"/>
       </p:ext>
     </p:extLst>
   </p:cSld>
@@ -2159,7 +2159,7 @@
           <p:cNvPr id="2" name="标题 1">
             <a:extLst>
               <a:ext uri="{FF2B5EF4-FFF2-40B4-BE49-F238E27FC236}">
-                <a16:creationId xmlns:a16="http://schemas.microsoft.com/office/drawing/2014/main" id="{3E7224A4-4154-8818-B81B-1191E687A162}"/>
+                <a16:creationId xmlns:a16="http://schemas.microsoft.com/office/drawing/2014/main" id="{EF2937F7-FBC5-ECF9-D976-F0E0D18FB352}"/>
               </a:ext>
             </a:extLst>
           </p:cNvPr>
@@ -2196,7 +2196,7 @@
           <p:cNvPr id="3" name="内容占位符 2">
             <a:extLst>
               <a:ext uri="{FF2B5EF4-FFF2-40B4-BE49-F238E27FC236}">
-                <a16:creationId xmlns:a16="http://schemas.microsoft.com/office/drawing/2014/main" id="{FB26AB4F-2807-5D52-83C4-647E8C5C4088}"/>
+                <a16:creationId xmlns:a16="http://schemas.microsoft.com/office/drawing/2014/main" id="{AD63D6A5-019E-9537-F68A-BA017ECD362E}"/>
               </a:ext>
             </a:extLst>
           </p:cNvPr>
@@ -2286,7 +2286,7 @@
           <p:cNvPr id="4" name="文本占位符 3">
             <a:extLst>
               <a:ext uri="{FF2B5EF4-FFF2-40B4-BE49-F238E27FC236}">
-                <a16:creationId xmlns:a16="http://schemas.microsoft.com/office/drawing/2014/main" id="{75028E4C-8554-68FD-BD91-AAE9B976B440}"/>
+                <a16:creationId xmlns:a16="http://schemas.microsoft.com/office/drawing/2014/main" id="{440C6E1F-9F4C-8CFC-000B-6C871DB4D721}"/>
               </a:ext>
             </a:extLst>
           </p:cNvPr>
@@ -2357,7 +2357,7 @@
           <p:cNvPr id="5" name="日期占位符 4">
             <a:extLst>
               <a:ext uri="{FF2B5EF4-FFF2-40B4-BE49-F238E27FC236}">
-                <a16:creationId xmlns:a16="http://schemas.microsoft.com/office/drawing/2014/main" id="{12C24B04-5E7C-E231-C833-ECBDDEA9C566}"/>
+                <a16:creationId xmlns:a16="http://schemas.microsoft.com/office/drawing/2014/main" id="{90BE359D-A306-4960-9CB3-7C9F45B3BAB0}"/>
               </a:ext>
             </a:extLst>
           </p:cNvPr>
@@ -2373,7 +2373,7 @@
           <a:bodyPr/>
           <a:lstStyle/>
           <a:p>
-            <a:fld id="{43E45750-06C7-4354-9993-F5BEE33CD5F6}" type="datetimeFigureOut">
+            <a:fld id="{890B08FB-B827-42FC-A507-9E62F13FCCF4}" type="datetimeFigureOut">
               <a:rPr lang="zh-CN" altLang="en-US" smtClean="0"/>
               <a:t>2024/3/10</a:t>
             </a:fld>
@@ -2386,7 +2386,7 @@
           <p:cNvPr id="6" name="页脚占位符 5">
             <a:extLst>
               <a:ext uri="{FF2B5EF4-FFF2-40B4-BE49-F238E27FC236}">
-                <a16:creationId xmlns:a16="http://schemas.microsoft.com/office/drawing/2014/main" id="{9E81F4AD-348B-AB4F-D42D-F8B07A78053E}"/>
+                <a16:creationId xmlns:a16="http://schemas.microsoft.com/office/drawing/2014/main" id="{428F0638-5C53-EF02-F732-C9810608C5C9}"/>
               </a:ext>
             </a:extLst>
           </p:cNvPr>
@@ -2411,7 +2411,7 @@
           <p:cNvPr id="7" name="灯片编号占位符 6">
             <a:extLst>
               <a:ext uri="{FF2B5EF4-FFF2-40B4-BE49-F238E27FC236}">
-                <a16:creationId xmlns:a16="http://schemas.microsoft.com/office/drawing/2014/main" id="{D23B4A0F-0EE1-F082-774B-A516A2348C9C}"/>
+                <a16:creationId xmlns:a16="http://schemas.microsoft.com/office/drawing/2014/main" id="{B5E83585-A00B-23B1-EB06-150CE4C1A876}"/>
               </a:ext>
             </a:extLst>
           </p:cNvPr>
@@ -2427,7 +2427,7 @@
           <a:bodyPr/>
           <a:lstStyle/>
           <a:p>
-            <a:fld id="{55002D8B-1C36-41DA-B514-969541D1100D}" type="slidenum">
+            <a:fld id="{46188185-B603-4222-B183-7DA3FB5459D4}" type="slidenum">
               <a:rPr lang="zh-CN" altLang="en-US" smtClean="0"/>
               <a:t>‹#›</a:t>
             </a:fld>
@@ -2438,7 +2438,7 @@
     </p:spTree>
     <p:extLst>
       <p:ext uri="{BB962C8B-B14F-4D97-AF65-F5344CB8AC3E}">
-        <p14:creationId xmlns:p14="http://schemas.microsoft.com/office/powerpoint/2010/main" val="921595925"/>
+        <p14:creationId xmlns:p14="http://schemas.microsoft.com/office/powerpoint/2010/main" val="2337702306"/>
       </p:ext>
     </p:extLst>
   </p:cSld>
@@ -2470,7 +2470,7 @@
           <p:cNvPr id="2" name="标题 1">
             <a:extLst>
               <a:ext uri="{FF2B5EF4-FFF2-40B4-BE49-F238E27FC236}">
-                <a16:creationId xmlns:a16="http://schemas.microsoft.com/office/drawing/2014/main" id="{365C968B-1A51-2811-A2DA-BE40F81054B5}"/>
+                <a16:creationId xmlns:a16="http://schemas.microsoft.com/office/drawing/2014/main" id="{C58C616B-A885-42CA-4266-FCE32B27368F}"/>
               </a:ext>
             </a:extLst>
           </p:cNvPr>
@@ -2507,7 +2507,7 @@
           <p:cNvPr id="3" name="图片占位符 2">
             <a:extLst>
               <a:ext uri="{FF2B5EF4-FFF2-40B4-BE49-F238E27FC236}">
-                <a16:creationId xmlns:a16="http://schemas.microsoft.com/office/drawing/2014/main" id="{F578769B-1EC6-A401-42E3-086D59F4F9D6}"/>
+                <a16:creationId xmlns:a16="http://schemas.microsoft.com/office/drawing/2014/main" id="{C931D7BC-D1E7-FAE8-CC05-A43DEC543FE1}"/>
               </a:ext>
             </a:extLst>
           </p:cNvPr>
@@ -2574,7 +2574,7 @@
           <p:cNvPr id="4" name="文本占位符 3">
             <a:extLst>
               <a:ext uri="{FF2B5EF4-FFF2-40B4-BE49-F238E27FC236}">
-                <a16:creationId xmlns:a16="http://schemas.microsoft.com/office/drawing/2014/main" id="{E294303A-3076-0B7E-26D1-88E6FDF2289A}"/>
+                <a16:creationId xmlns:a16="http://schemas.microsoft.com/office/drawing/2014/main" id="{1E13F389-459C-B8EA-0636-2AC345A43635}"/>
               </a:ext>
             </a:extLst>
           </p:cNvPr>
@@ -2645,7 +2645,7 @@
           <p:cNvPr id="5" name="日期占位符 4">
             <a:extLst>
               <a:ext uri="{FF2B5EF4-FFF2-40B4-BE49-F238E27FC236}">
-                <a16:creationId xmlns:a16="http://schemas.microsoft.com/office/drawing/2014/main" id="{869FD4F0-C617-3F74-CC9E-126867A71784}"/>
+                <a16:creationId xmlns:a16="http://schemas.microsoft.com/office/drawing/2014/main" id="{A722D6AD-476E-C14F-07D4-5F6048DFD75E}"/>
               </a:ext>
             </a:extLst>
           </p:cNvPr>
@@ -2661,7 +2661,7 @@
           <a:bodyPr/>
           <a:lstStyle/>
           <a:p>
-            <a:fld id="{43E45750-06C7-4354-9993-F5BEE33CD5F6}" type="datetimeFigureOut">
+            <a:fld id="{890B08FB-B827-42FC-A507-9E62F13FCCF4}" type="datetimeFigureOut">
               <a:rPr lang="zh-CN" altLang="en-US" smtClean="0"/>
               <a:t>2024/3/10</a:t>
             </a:fld>
@@ -2674,7 +2674,7 @@
           <p:cNvPr id="6" name="页脚占位符 5">
             <a:extLst>
               <a:ext uri="{FF2B5EF4-FFF2-40B4-BE49-F238E27FC236}">
-                <a16:creationId xmlns:a16="http://schemas.microsoft.com/office/drawing/2014/main" id="{D6BD239A-0336-AC1F-01E8-2AF7305D9704}"/>
+                <a16:creationId xmlns:a16="http://schemas.microsoft.com/office/drawing/2014/main" id="{46039882-BE04-13E5-4B91-0FAE7C04E30E}"/>
               </a:ext>
             </a:extLst>
           </p:cNvPr>
@@ -2699,7 +2699,7 @@
           <p:cNvPr id="7" name="灯片编号占位符 6">
             <a:extLst>
               <a:ext uri="{FF2B5EF4-FFF2-40B4-BE49-F238E27FC236}">
-                <a16:creationId xmlns:a16="http://schemas.microsoft.com/office/drawing/2014/main" id="{29D29DA0-B504-6ACD-6DB6-3EC1B322658B}"/>
+                <a16:creationId xmlns:a16="http://schemas.microsoft.com/office/drawing/2014/main" id="{8F3C418D-B491-293C-F19D-7BFF159B945A}"/>
               </a:ext>
             </a:extLst>
           </p:cNvPr>
@@ -2715,7 +2715,7 @@
           <a:bodyPr/>
           <a:lstStyle/>
           <a:p>
-            <a:fld id="{55002D8B-1C36-41DA-B514-969541D1100D}" type="slidenum">
+            <a:fld id="{46188185-B603-4222-B183-7DA3FB5459D4}" type="slidenum">
               <a:rPr lang="zh-CN" altLang="en-US" smtClean="0"/>
               <a:t>‹#›</a:t>
             </a:fld>
@@ -2726,7 +2726,7 @@
     </p:spTree>
     <p:extLst>
       <p:ext uri="{BB962C8B-B14F-4D97-AF65-F5344CB8AC3E}">
-        <p14:creationId xmlns:p14="http://schemas.microsoft.com/office/powerpoint/2010/main" val="1750568115"/>
+        <p14:creationId xmlns:p14="http://schemas.microsoft.com/office/powerpoint/2010/main" val="1592584927"/>
       </p:ext>
     </p:extLst>
   </p:cSld>
@@ -2763,7 +2763,7 @@
           <p:cNvPr id="2" name="标题占位符 1">
             <a:extLst>
               <a:ext uri="{FF2B5EF4-FFF2-40B4-BE49-F238E27FC236}">
-                <a16:creationId xmlns:a16="http://schemas.microsoft.com/office/drawing/2014/main" id="{3B1206DA-C460-7FD9-C239-9A9C97E2DAC7}"/>
+                <a16:creationId xmlns:a16="http://schemas.microsoft.com/office/drawing/2014/main" id="{4F77F1EA-3DB2-3673-7401-D37AC555F702}"/>
               </a:ext>
             </a:extLst>
           </p:cNvPr>
@@ -2801,7 +2801,7 @@
           <p:cNvPr id="3" name="文本占位符 2">
             <a:extLst>
               <a:ext uri="{FF2B5EF4-FFF2-40B4-BE49-F238E27FC236}">
-                <a16:creationId xmlns:a16="http://schemas.microsoft.com/office/drawing/2014/main" id="{1B786E38-0209-D31A-3796-2537D4AC7A8A}"/>
+                <a16:creationId xmlns:a16="http://schemas.microsoft.com/office/drawing/2014/main" id="{0530D34F-98A4-C4D8-E5C9-D2AF0914049B}"/>
               </a:ext>
             </a:extLst>
           </p:cNvPr>
@@ -2868,7 +2868,7 @@
           <p:cNvPr id="4" name="日期占位符 3">
             <a:extLst>
               <a:ext uri="{FF2B5EF4-FFF2-40B4-BE49-F238E27FC236}">
-                <a16:creationId xmlns:a16="http://schemas.microsoft.com/office/drawing/2014/main" id="{1D42756A-9F85-F5C4-B421-E5913BFE690C}"/>
+                <a16:creationId xmlns:a16="http://schemas.microsoft.com/office/drawing/2014/main" id="{7C003128-AE0C-5234-C178-02B336D060B4}"/>
               </a:ext>
             </a:extLst>
           </p:cNvPr>
@@ -2902,7 +2902,7 @@
             </a:lvl1pPr>
           </a:lstStyle>
           <a:p>
-            <a:fld id="{43E45750-06C7-4354-9993-F5BEE33CD5F6}" type="datetimeFigureOut">
+            <a:fld id="{890B08FB-B827-42FC-A507-9E62F13FCCF4}" type="datetimeFigureOut">
               <a:rPr lang="zh-CN" altLang="en-US" smtClean="0"/>
               <a:t>2024/3/10</a:t>
             </a:fld>
@@ -2915,7 +2915,7 @@
           <p:cNvPr id="5" name="页脚占位符 4">
             <a:extLst>
               <a:ext uri="{FF2B5EF4-FFF2-40B4-BE49-F238E27FC236}">
-                <a16:creationId xmlns:a16="http://schemas.microsoft.com/office/drawing/2014/main" id="{C1E3F0CD-5F2D-528B-29B9-5FC3BAA2973C}"/>
+                <a16:creationId xmlns:a16="http://schemas.microsoft.com/office/drawing/2014/main" id="{9E1F1019-65D8-E842-A916-943CF5901731}"/>
               </a:ext>
             </a:extLst>
           </p:cNvPr>
@@ -2958,7 +2958,7 @@
           <p:cNvPr id="6" name="灯片编号占位符 5">
             <a:extLst>
               <a:ext uri="{FF2B5EF4-FFF2-40B4-BE49-F238E27FC236}">
-                <a16:creationId xmlns:a16="http://schemas.microsoft.com/office/drawing/2014/main" id="{4560D8C7-E160-0180-2891-CC63A4610C97}"/>
+                <a16:creationId xmlns:a16="http://schemas.microsoft.com/office/drawing/2014/main" id="{4043C9ED-2DA6-A62A-B532-99608DC4A72C}"/>
               </a:ext>
             </a:extLst>
           </p:cNvPr>
@@ -2992,7 +2992,7 @@
             </a:lvl1pPr>
           </a:lstStyle>
           <a:p>
-            <a:fld id="{55002D8B-1C36-41DA-B514-969541D1100D}" type="slidenum">
+            <a:fld id="{46188185-B603-4222-B183-7DA3FB5459D4}" type="slidenum">
               <a:rPr lang="zh-CN" altLang="en-US" smtClean="0"/>
               <a:t>‹#›</a:t>
             </a:fld>
@@ -3003,7 +3003,7 @@
     </p:spTree>
     <p:extLst>
       <p:ext uri="{BB962C8B-B14F-4D97-AF65-F5344CB8AC3E}">
-        <p14:creationId xmlns:p14="http://schemas.microsoft.com/office/powerpoint/2010/main" val="353855812"/>
+        <p14:creationId xmlns:p14="http://schemas.microsoft.com/office/powerpoint/2010/main" val="641411848"/>
       </p:ext>
     </p:extLst>
   </p:cSld>
@@ -3323,7 +3323,7 @@
       </p:grpSpPr>
       <p:pic>
         <p:nvPicPr>
-          <p:cNvPr id="393218" name="Picture 2" descr="383"/>
+          <p:cNvPr id="394242" name="Picture 2" descr="384"/>
           <p:cNvPicPr>
             <a:picLocks noChangeAspect="1" noChangeArrowheads="1"/>
           </p:cNvPicPr>
